--- a/Environmental-sound-classification.pptx
+++ b/Environmental-sound-classification.pptx
@@ -6693,6 +6693,42 @@
           </a:xfrm>
         </p:spPr>
       </p:pic>
+      <p:pic>
+        <p:nvPicPr>
+          <p:cNvPr id="4" name="圖片 3">
+            <a:extLst>
+              <a:ext uri="{FF2B5EF4-FFF2-40B4-BE49-F238E27FC236}">
+                <a16:creationId xmlns:a16="http://schemas.microsoft.com/office/drawing/2014/main" id="{0137841D-0792-43E5-B8D1-CF1DDACA76C6}"/>
+              </a:ext>
+            </a:extLst>
+          </p:cNvPr>
+          <p:cNvPicPr>
+            <a:picLocks noChangeAspect="1"/>
+          </p:cNvPicPr>
+          <p:nvPr/>
+        </p:nvPicPr>
+        <p:blipFill>
+          <a:blip r:embed="rId3">
+            <a:extLst>
+              <a:ext uri="{28A0092B-C50C-407E-A947-70E740481C1C}">
+                <a14:useLocalDpi xmlns:a14="http://schemas.microsoft.com/office/drawing/2010/main" val="0"/>
+              </a:ext>
+            </a:extLst>
+          </a:blip>
+          <a:stretch>
+            <a:fillRect/>
+          </a:stretch>
+        </p:blipFill>
+        <p:spPr>
+          <a:xfrm>
+            <a:off x="8260978" y="3024838"/>
+            <a:ext cx="3867776" cy="2894789"/>
+          </a:xfrm>
+          <a:prstGeom prst="rect">
+            <a:avLst/>
+          </a:prstGeom>
+        </p:spPr>
+      </p:pic>
       <p:sp>
         <p:nvSpPr>
           <p:cNvPr id="8" name="Rectangle 7">
@@ -6868,7 +6904,7 @@
           <p:nvPr>
             <p:extLst>
               <p:ext uri="{D42A27DB-BD31-4B8C-83A1-F6EECF244321}">
-                <p14:modId xmlns:p14="http://schemas.microsoft.com/office/powerpoint/2010/main" val="1113096163"/>
+                <p14:modId xmlns:p14="http://schemas.microsoft.com/office/powerpoint/2010/main" val="1292740480"/>
               </p:ext>
             </p:extLst>
           </p:nvPr>
@@ -7055,6 +7091,10 @@
                     <a:bodyPr/>
                     <a:lstStyle/>
                     <a:p>
+                      <a:r>
+                        <a:rPr lang="en-US" altLang="zh-TW" dirty="0"/>
+                        <a:t>0.766</a:t>
+                      </a:r>
                       <a:endParaRPr lang="zh-TW" altLang="en-US" dirty="0"/>
                     </a:p>
                   </a:txBody>

--- a/Environmental-sound-classification.pptx
+++ b/Environmental-sound-classification.pptx
@@ -269,7 +269,7 @@
           <a:p>
             <a:fld id="{384DC09C-052D-4FAF-A854-04901B228B7F}" type="datetimeFigureOut">
               <a:rPr lang="en-US" smtClean="0"/>
-              <a:t>1/7/2020</a:t>
+              <a:t>1/8/2020</a:t>
             </a:fld>
             <a:endParaRPr lang="en-US"/>
           </a:p>
@@ -469,7 +469,7 @@
           <a:p>
             <a:fld id="{384DC09C-052D-4FAF-A854-04901B228B7F}" type="datetimeFigureOut">
               <a:rPr lang="en-US" smtClean="0"/>
-              <a:t>1/7/2020</a:t>
+              <a:t>1/8/2020</a:t>
             </a:fld>
             <a:endParaRPr lang="en-US"/>
           </a:p>
@@ -679,7 +679,7 @@
           <a:p>
             <a:fld id="{384DC09C-052D-4FAF-A854-04901B228B7F}" type="datetimeFigureOut">
               <a:rPr lang="en-US" smtClean="0"/>
-              <a:t>1/7/2020</a:t>
+              <a:t>1/8/2020</a:t>
             </a:fld>
             <a:endParaRPr lang="en-US"/>
           </a:p>
@@ -879,7 +879,7 @@
           <a:p>
             <a:fld id="{384DC09C-052D-4FAF-A854-04901B228B7F}" type="datetimeFigureOut">
               <a:rPr lang="en-US" smtClean="0"/>
-              <a:t>1/7/2020</a:t>
+              <a:t>1/8/2020</a:t>
             </a:fld>
             <a:endParaRPr lang="en-US"/>
           </a:p>
@@ -1155,7 +1155,7 @@
           <a:p>
             <a:fld id="{384DC09C-052D-4FAF-A854-04901B228B7F}" type="datetimeFigureOut">
               <a:rPr lang="en-US" smtClean="0"/>
-              <a:t>1/7/2020</a:t>
+              <a:t>1/8/2020</a:t>
             </a:fld>
             <a:endParaRPr lang="en-US"/>
           </a:p>
@@ -1423,7 +1423,7 @@
           <a:p>
             <a:fld id="{384DC09C-052D-4FAF-A854-04901B228B7F}" type="datetimeFigureOut">
               <a:rPr lang="en-US" smtClean="0"/>
-              <a:t>1/7/2020</a:t>
+              <a:t>1/8/2020</a:t>
             </a:fld>
             <a:endParaRPr lang="en-US"/>
           </a:p>
@@ -1838,7 +1838,7 @@
           <a:p>
             <a:fld id="{384DC09C-052D-4FAF-A854-04901B228B7F}" type="datetimeFigureOut">
               <a:rPr lang="en-US" smtClean="0"/>
-              <a:t>1/7/2020</a:t>
+              <a:t>1/8/2020</a:t>
             </a:fld>
             <a:endParaRPr lang="en-US"/>
           </a:p>
@@ -1980,7 +1980,7 @@
           <a:p>
             <a:fld id="{384DC09C-052D-4FAF-A854-04901B228B7F}" type="datetimeFigureOut">
               <a:rPr lang="en-US" smtClean="0"/>
-              <a:t>1/7/2020</a:t>
+              <a:t>1/8/2020</a:t>
             </a:fld>
             <a:endParaRPr lang="en-US"/>
           </a:p>
@@ -2093,7 +2093,7 @@
           <a:p>
             <a:fld id="{384DC09C-052D-4FAF-A854-04901B228B7F}" type="datetimeFigureOut">
               <a:rPr lang="en-US" smtClean="0"/>
-              <a:t>1/7/2020</a:t>
+              <a:t>1/8/2020</a:t>
             </a:fld>
             <a:endParaRPr lang="en-US"/>
           </a:p>
@@ -2406,7 +2406,7 @@
           <a:p>
             <a:fld id="{384DC09C-052D-4FAF-A854-04901B228B7F}" type="datetimeFigureOut">
               <a:rPr lang="en-US" smtClean="0"/>
-              <a:t>1/7/2020</a:t>
+              <a:t>1/8/2020</a:t>
             </a:fld>
             <a:endParaRPr lang="en-US"/>
           </a:p>
@@ -2695,7 +2695,7 @@
           <a:p>
             <a:fld id="{384DC09C-052D-4FAF-A854-04901B228B7F}" type="datetimeFigureOut">
               <a:rPr lang="en-US" smtClean="0"/>
-              <a:t>1/7/2020</a:t>
+              <a:t>1/8/2020</a:t>
             </a:fld>
             <a:endParaRPr lang="en-US"/>
           </a:p>
@@ -2938,7 +2938,7 @@
           <a:p>
             <a:fld id="{384DC09C-052D-4FAF-A854-04901B228B7F}" type="datetimeFigureOut">
               <a:rPr lang="en-US" smtClean="0"/>
-              <a:t>1/7/2020</a:t>
+              <a:t>1/8/2020</a:t>
             </a:fld>
             <a:endParaRPr lang="en-US"/>
           </a:p>
